--- a/DSP/Ditte-Powerpoints/dspExamQ9.pptx
+++ b/DSP/Ditte-Powerpoints/dspExamQ9.pptx
@@ -131,7 +131,7 @@
 <file path=ppt/revisionInfo.xml><?xml version="1.0" encoding="utf-8"?>
 <p1510:revInfo xmlns:a="http://schemas.openxmlformats.org/drawingml/2006/main" xmlns:r="http://schemas.openxmlformats.org/officeDocument/2006/relationships" xmlns:p1510="http://schemas.microsoft.com/office/powerpoint/2015/10/main">
   <p1510:revLst>
-    <p1510:client id="{AE8F47A0-C96F-4076-82AD-8C5671691FD0}" v="17" dt="2024-12-28T12:50:46.333"/>
+    <p1510:client id="{149AE3E8-0B89-42F6-BE87-38BC8C86E300}" v="2" dt="2025-01-15T15:25:01.393"/>
   </p1510:revLst>
 </p1510:revInfo>
 </file>
@@ -520,6 +520,38 @@
       </pc:sldChg>
     </pc:docChg>
   </pc:docChgLst>
+  <pc:docChgLst>
+    <pc:chgData name="Ditte Filskov Theilgaard" userId="150196ba-3d64-4ece-aa51-395739ba31e6" providerId="ADAL" clId="{149AE3E8-0B89-42F6-BE87-38BC8C86E300}"/>
+    <pc:docChg chg="custSel modSld">
+      <pc:chgData name="Ditte Filskov Theilgaard" userId="150196ba-3d64-4ece-aa51-395739ba31e6" providerId="ADAL" clId="{149AE3E8-0B89-42F6-BE87-38BC8C86E300}" dt="2025-01-15T15:24:53.616" v="61" actId="1076"/>
+      <pc:docMkLst>
+        <pc:docMk/>
+      </pc:docMkLst>
+      <pc:sldChg chg="addSp modSp mod">
+        <pc:chgData name="Ditte Filskov Theilgaard" userId="150196ba-3d64-4ece-aa51-395739ba31e6" providerId="ADAL" clId="{149AE3E8-0B89-42F6-BE87-38BC8C86E300}" dt="2025-01-15T15:24:53.616" v="61" actId="1076"/>
+        <pc:sldMkLst>
+          <pc:docMk/>
+          <pc:sldMk cId="4027991178" sldId="257"/>
+        </pc:sldMkLst>
+        <pc:spChg chg="mod">
+          <ac:chgData name="Ditte Filskov Theilgaard" userId="150196ba-3d64-4ece-aa51-395739ba31e6" providerId="ADAL" clId="{149AE3E8-0B89-42F6-BE87-38BC8C86E300}" dt="2025-01-15T09:53:21.468" v="57" actId="20577"/>
+          <ac:spMkLst>
+            <pc:docMk/>
+            <pc:sldMk cId="4027991178" sldId="257"/>
+            <ac:spMk id="3" creationId="{8F5EB24A-E97D-517A-212F-5A5C3D1AB203}"/>
+          </ac:spMkLst>
+        </pc:spChg>
+        <pc:picChg chg="add mod">
+          <ac:chgData name="Ditte Filskov Theilgaard" userId="150196ba-3d64-4ece-aa51-395739ba31e6" providerId="ADAL" clId="{149AE3E8-0B89-42F6-BE87-38BC8C86E300}" dt="2025-01-15T15:24:53.616" v="61" actId="1076"/>
+          <ac:picMkLst>
+            <pc:docMk/>
+            <pc:sldMk cId="4027991178" sldId="257"/>
+            <ac:picMk id="5" creationId="{932A3ED5-158D-C888-D184-4A6E8AB88393}"/>
+          </ac:picMkLst>
+        </pc:picChg>
+      </pc:sldChg>
+    </pc:docChg>
+  </pc:docChgLst>
 </pc:chgInfo>
 </file>
 
@@ -605,7 +637,7 @@
           <a:p>
             <a:fld id="{237DF243-990D-452E-B2F0-0A24C40DD102}" type="datetimeFigureOut">
               <a:rPr lang="en-US" smtClean="0"/>
-              <a:t>1/14/2025</a:t>
+              <a:t>1/15/2025</a:t>
             </a:fld>
             <a:endParaRPr lang="en-US"/>
           </a:p>
@@ -1017,9 +1049,9 @@
           <a:bodyPr/>
           <a:lstStyle/>
           <a:p>
-            <a:fld id="{9CB904D7-2B70-4964-9B23-4E5B349F082D}" type="datetimeFigureOut">
+            <a:fld id="{F1E051BD-9EEC-4E7D-AC0D-1C51B198F14E}" type="datetime1">
               <a:rPr lang="en-US" smtClean="0"/>
-              <a:t>1/14/2025</a:t>
+              <a:t>1/15/2025</a:t>
             </a:fld>
             <a:endParaRPr lang="en-US"/>
           </a:p>
@@ -1222,9 +1254,9 @@
           <a:bodyPr/>
           <a:lstStyle/>
           <a:p>
-            <a:fld id="{9CB904D7-2B70-4964-9B23-4E5B349F082D}" type="datetimeFigureOut">
+            <a:fld id="{1B7FC613-9769-4068-A394-29409670A068}" type="datetime1">
               <a:rPr lang="en-US" smtClean="0"/>
-              <a:t>1/14/2025</a:t>
+              <a:t>1/15/2025</a:t>
             </a:fld>
             <a:endParaRPr lang="en-US"/>
           </a:p>
@@ -1497,9 +1529,9 @@
           <a:bodyPr/>
           <a:lstStyle/>
           <a:p>
-            <a:fld id="{9CB904D7-2B70-4964-9B23-4E5B349F082D}" type="datetimeFigureOut">
+            <a:fld id="{F17FE361-9767-424D-A972-65FC54F5E229}" type="datetime1">
               <a:rPr lang="en-US" smtClean="0"/>
-              <a:t>1/14/2025</a:t>
+              <a:t>1/15/2025</a:t>
             </a:fld>
             <a:endParaRPr lang="en-US"/>
           </a:p>
@@ -1762,9 +1794,9 @@
           <a:bodyPr/>
           <a:lstStyle/>
           <a:p>
-            <a:fld id="{9CB904D7-2B70-4964-9B23-4E5B349F082D}" type="datetimeFigureOut">
+            <a:fld id="{4DD90F66-571B-48F1-AAB9-2F3BC36EDA10}" type="datetime1">
               <a:rPr lang="en-US" smtClean="0"/>
-              <a:t>1/14/2025</a:t>
+              <a:t>1/15/2025</a:t>
             </a:fld>
             <a:endParaRPr lang="en-US"/>
           </a:p>
@@ -2174,9 +2206,9 @@
           <a:bodyPr/>
           <a:lstStyle/>
           <a:p>
-            <a:fld id="{9CB904D7-2B70-4964-9B23-4E5B349F082D}" type="datetimeFigureOut">
+            <a:fld id="{A627AEE3-0A71-4517-BC04-7985282A2B34}" type="datetime1">
               <a:rPr lang="en-US" smtClean="0"/>
-              <a:t>1/14/2025</a:t>
+              <a:t>1/15/2025</a:t>
             </a:fld>
             <a:endParaRPr lang="en-US"/>
           </a:p>
@@ -2315,9 +2347,9 @@
           <a:bodyPr/>
           <a:lstStyle/>
           <a:p>
-            <a:fld id="{9CB904D7-2B70-4964-9B23-4E5B349F082D}" type="datetimeFigureOut">
+            <a:fld id="{2EC6F02B-C48D-4B72-8E67-A301E10A4A9B}" type="datetime1">
               <a:rPr lang="en-US" smtClean="0"/>
-              <a:t>1/14/2025</a:t>
+              <a:t>1/15/2025</a:t>
             </a:fld>
             <a:endParaRPr lang="en-US"/>
           </a:p>
@@ -2428,9 +2460,9 @@
           <a:bodyPr/>
           <a:lstStyle/>
           <a:p>
-            <a:fld id="{9CB904D7-2B70-4964-9B23-4E5B349F082D}" type="datetimeFigureOut">
+            <a:fld id="{75534BCC-331F-4101-B0CC-DF6239CD5227}" type="datetime1">
               <a:rPr lang="en-US" smtClean="0"/>
-              <a:t>1/14/2025</a:t>
+              <a:t>1/15/2025</a:t>
             </a:fld>
             <a:endParaRPr lang="en-US"/>
           </a:p>
@@ -2669,9 +2701,9 @@
             </a:lvl1pPr>
           </a:lstStyle>
           <a:p>
-            <a:fld id="{9CB904D7-2B70-4964-9B23-4E5B349F082D}" type="datetimeFigureOut">
+            <a:fld id="{CD1A5581-419B-47CC-AE9A-FABB249FA2BD}" type="datetime1">
               <a:rPr lang="en-US" smtClean="0"/>
-              <a:t>1/14/2025</a:t>
+              <a:t>1/15/2025</a:t>
             </a:fld>
             <a:endParaRPr lang="en-US"/>
           </a:p>
@@ -2784,6 +2816,7 @@
     <p:sldLayoutId id="2147483654" r:id="rId6"/>
     <p:sldLayoutId id="2147483655" r:id="rId7"/>
   </p:sldLayoutIdLst>
+  <p:hf hdr="0" ftr="0" dt="0"/>
   <p:txStyles>
     <p:titleStyle>
       <a:lvl1pPr algn="l" defTabSz="914400" rtl="0" eaLnBrk="1" latinLnBrk="0" hangingPunct="1">
@@ -3422,6 +3455,35 @@
           </a:p>
         </p:txBody>
       </p:sp>
+      <p:sp>
+        <p:nvSpPr>
+          <p:cNvPr id="4" name="Slide Number Placeholder 3">
+            <a:extLst>
+              <a:ext uri="{FF2B5EF4-FFF2-40B4-BE49-F238E27FC236}">
+                <a16:creationId xmlns:a16="http://schemas.microsoft.com/office/drawing/2014/main" id="{06FDD1FA-7FA8-2867-17BD-D15F5CF7EFF9}"/>
+              </a:ext>
+            </a:extLst>
+          </p:cNvPr>
+          <p:cNvSpPr>
+            <a:spLocks noGrp="1"/>
+          </p:cNvSpPr>
+          <p:nvPr>
+            <p:ph type="sldNum" sz="quarter" idx="12"/>
+          </p:nvPr>
+        </p:nvSpPr>
+        <p:spPr/>
+        <p:txBody>
+          <a:bodyPr/>
+          <a:lstStyle/>
+          <a:p>
+            <a:fld id="{4B04BC67-DFA6-4863-89DB-B4077B3FACAF}" type="slidenum">
+              <a:rPr lang="en-US" smtClean="0"/>
+              <a:t>1</a:t>
+            </a:fld>
+            <a:endParaRPr lang="en-US"/>
+          </a:p>
+        </p:txBody>
+      </p:sp>
     </p:spTree>
     <p:extLst>
       <p:ext uri="{BB962C8B-B14F-4D97-AF65-F5344CB8AC3E}">
@@ -3511,6 +3573,35 @@
           </a:prstGeom>
         </p:spPr>
       </p:pic>
+      <p:sp>
+        <p:nvSpPr>
+          <p:cNvPr id="2" name="Slide Number Placeholder 1">
+            <a:extLst>
+              <a:ext uri="{FF2B5EF4-FFF2-40B4-BE49-F238E27FC236}">
+                <a16:creationId xmlns:a16="http://schemas.microsoft.com/office/drawing/2014/main" id="{7FA9B164-7225-AE1D-AB9C-B7A614DDD931}"/>
+              </a:ext>
+            </a:extLst>
+          </p:cNvPr>
+          <p:cNvSpPr>
+            <a:spLocks noGrp="1"/>
+          </p:cNvSpPr>
+          <p:nvPr>
+            <p:ph type="sldNum" sz="quarter" idx="12"/>
+          </p:nvPr>
+        </p:nvSpPr>
+        <p:spPr/>
+        <p:txBody>
+          <a:bodyPr/>
+          <a:lstStyle/>
+          <a:p>
+            <a:fld id="{4B04BC67-DFA6-4863-89DB-B4077B3FACAF}" type="slidenum">
+              <a:rPr lang="en-US" smtClean="0"/>
+              <a:t>10</a:t>
+            </a:fld>
+            <a:endParaRPr lang="en-US"/>
+          </a:p>
+        </p:txBody>
+      </p:sp>
     </p:spTree>
     <p:extLst>
       <p:ext uri="{BB962C8B-B14F-4D97-AF65-F5344CB8AC3E}">
@@ -3571,6 +3662,35 @@
           </a:prstGeom>
         </p:spPr>
       </p:pic>
+      <p:sp>
+        <p:nvSpPr>
+          <p:cNvPr id="2" name="Slide Number Placeholder 1">
+            <a:extLst>
+              <a:ext uri="{FF2B5EF4-FFF2-40B4-BE49-F238E27FC236}">
+                <a16:creationId xmlns:a16="http://schemas.microsoft.com/office/drawing/2014/main" id="{713A5006-6F3A-5AC1-9BF1-78C7547CE486}"/>
+              </a:ext>
+            </a:extLst>
+          </p:cNvPr>
+          <p:cNvSpPr>
+            <a:spLocks noGrp="1"/>
+          </p:cNvSpPr>
+          <p:nvPr>
+            <p:ph type="sldNum" sz="quarter" idx="12"/>
+          </p:nvPr>
+        </p:nvSpPr>
+        <p:spPr/>
+        <p:txBody>
+          <a:bodyPr/>
+          <a:lstStyle/>
+          <a:p>
+            <a:fld id="{4B04BC67-DFA6-4863-89DB-B4077B3FACAF}" type="slidenum">
+              <a:rPr lang="en-US" smtClean="0"/>
+              <a:t>11</a:t>
+            </a:fld>
+            <a:endParaRPr lang="en-US"/>
+          </a:p>
+        </p:txBody>
+      </p:sp>
     </p:spTree>
     <p:extLst>
       <p:ext uri="{BB962C8B-B14F-4D97-AF65-F5344CB8AC3E}">
@@ -3693,6 +3813,35 @@
           </a:prstGeom>
         </p:spPr>
       </p:pic>
+      <p:sp>
+        <p:nvSpPr>
+          <p:cNvPr id="2" name="Slide Number Placeholder 1">
+            <a:extLst>
+              <a:ext uri="{FF2B5EF4-FFF2-40B4-BE49-F238E27FC236}">
+                <a16:creationId xmlns:a16="http://schemas.microsoft.com/office/drawing/2014/main" id="{61C05DE6-4EA0-9E45-F530-902148B8A5F1}"/>
+              </a:ext>
+            </a:extLst>
+          </p:cNvPr>
+          <p:cNvSpPr>
+            <a:spLocks noGrp="1"/>
+          </p:cNvSpPr>
+          <p:nvPr>
+            <p:ph type="sldNum" sz="quarter" idx="12"/>
+          </p:nvPr>
+        </p:nvSpPr>
+        <p:spPr/>
+        <p:txBody>
+          <a:bodyPr/>
+          <a:lstStyle/>
+          <a:p>
+            <a:fld id="{4B04BC67-DFA6-4863-89DB-B4077B3FACAF}" type="slidenum">
+              <a:rPr lang="en-US" smtClean="0"/>
+              <a:t>12</a:t>
+            </a:fld>
+            <a:endParaRPr lang="en-US"/>
+          </a:p>
+        </p:txBody>
+      </p:sp>
     </p:spTree>
     <p:extLst>
       <p:ext uri="{BB962C8B-B14F-4D97-AF65-F5344CB8AC3E}">
@@ -3753,6 +3902,35 @@
           </a:prstGeom>
         </p:spPr>
       </p:pic>
+      <p:sp>
+        <p:nvSpPr>
+          <p:cNvPr id="2" name="Slide Number Placeholder 1">
+            <a:extLst>
+              <a:ext uri="{FF2B5EF4-FFF2-40B4-BE49-F238E27FC236}">
+                <a16:creationId xmlns:a16="http://schemas.microsoft.com/office/drawing/2014/main" id="{88EBB162-CC9F-4CFE-E985-A77CFDC7328A}"/>
+              </a:ext>
+            </a:extLst>
+          </p:cNvPr>
+          <p:cNvSpPr>
+            <a:spLocks noGrp="1"/>
+          </p:cNvSpPr>
+          <p:nvPr>
+            <p:ph type="sldNum" sz="quarter" idx="12"/>
+          </p:nvPr>
+        </p:nvSpPr>
+        <p:spPr/>
+        <p:txBody>
+          <a:bodyPr/>
+          <a:lstStyle/>
+          <a:p>
+            <a:fld id="{4B04BC67-DFA6-4863-89DB-B4077B3FACAF}" type="slidenum">
+              <a:rPr lang="en-US" smtClean="0"/>
+              <a:t>13</a:t>
+            </a:fld>
+            <a:endParaRPr lang="en-US"/>
+          </a:p>
+        </p:txBody>
+      </p:sp>
     </p:spTree>
     <p:extLst>
       <p:ext uri="{BB962C8B-B14F-4D97-AF65-F5344CB8AC3E}">
@@ -3842,6 +4020,35 @@
           </a:prstGeom>
         </p:spPr>
       </p:pic>
+      <p:sp>
+        <p:nvSpPr>
+          <p:cNvPr id="2" name="Slide Number Placeholder 1">
+            <a:extLst>
+              <a:ext uri="{FF2B5EF4-FFF2-40B4-BE49-F238E27FC236}">
+                <a16:creationId xmlns:a16="http://schemas.microsoft.com/office/drawing/2014/main" id="{5936BCA0-6D57-CC3A-3BC7-1F2D60DCA671}"/>
+              </a:ext>
+            </a:extLst>
+          </p:cNvPr>
+          <p:cNvSpPr>
+            <a:spLocks noGrp="1"/>
+          </p:cNvSpPr>
+          <p:nvPr>
+            <p:ph type="sldNum" sz="quarter" idx="12"/>
+          </p:nvPr>
+        </p:nvSpPr>
+        <p:spPr/>
+        <p:txBody>
+          <a:bodyPr/>
+          <a:lstStyle/>
+          <a:p>
+            <a:fld id="{4B04BC67-DFA6-4863-89DB-B4077B3FACAF}" type="slidenum">
+              <a:rPr lang="en-US" smtClean="0"/>
+              <a:t>14</a:t>
+            </a:fld>
+            <a:endParaRPr lang="en-US"/>
+          </a:p>
+        </p:txBody>
+      </p:sp>
     </p:spTree>
     <p:extLst>
       <p:ext uri="{BB962C8B-B14F-4D97-AF65-F5344CB8AC3E}">
@@ -3956,7 +4163,90 @@
             <a:endParaRPr lang="en-US" dirty="0"/>
           </a:p>
           <a:p>
+            <a:r>
+              <a:rPr lang="en-US" dirty="0" err="1"/>
+              <a:t>Sekundær</a:t>
+            </a:r>
+            <a:r>
+              <a:rPr lang="en-US" dirty="0"/>
+              <a:t> </a:t>
+            </a:r>
+            <a:r>
+              <a:rPr lang="en-US" dirty="0" err="1"/>
+              <a:t>tilgang</a:t>
+            </a:r>
             <a:endParaRPr lang="en-US" dirty="0"/>
+          </a:p>
+          <a:p>
+            <a:endParaRPr lang="en-US" dirty="0"/>
+          </a:p>
+          <a:p>
+            <a:endParaRPr lang="en-US" dirty="0"/>
+          </a:p>
+        </p:txBody>
+      </p:sp>
+      <p:pic>
+        <p:nvPicPr>
+          <p:cNvPr id="5" name="Picture 4" descr="A graph of a graph&#10;&#10;Description automatically generated with medium confidence">
+            <a:extLst>
+              <a:ext uri="{FF2B5EF4-FFF2-40B4-BE49-F238E27FC236}">
+                <a16:creationId xmlns:a16="http://schemas.microsoft.com/office/drawing/2014/main" id="{932A3ED5-158D-C888-D184-4A6E8AB88393}"/>
+              </a:ext>
+            </a:extLst>
+          </p:cNvPr>
+          <p:cNvPicPr>
+            <a:picLocks noChangeAspect="1"/>
+          </p:cNvPicPr>
+          <p:nvPr/>
+        </p:nvPicPr>
+        <p:blipFill>
+          <a:blip r:embed="rId2">
+            <a:extLst>
+              <a:ext uri="{28A0092B-C50C-407E-A947-70E740481C1C}">
+                <a14:useLocalDpi xmlns:a14="http://schemas.microsoft.com/office/drawing/2010/main" val="0"/>
+              </a:ext>
+            </a:extLst>
+          </a:blip>
+          <a:stretch>
+            <a:fillRect/>
+          </a:stretch>
+        </p:blipFill>
+        <p:spPr>
+          <a:xfrm>
+            <a:off x="0" y="4503876"/>
+            <a:ext cx="12192000" cy="2354124"/>
+          </a:xfrm>
+          <a:prstGeom prst="rect">
+            <a:avLst/>
+          </a:prstGeom>
+        </p:spPr>
+      </p:pic>
+      <p:sp>
+        <p:nvSpPr>
+          <p:cNvPr id="6" name="Slide Number Placeholder 5">
+            <a:extLst>
+              <a:ext uri="{FF2B5EF4-FFF2-40B4-BE49-F238E27FC236}">
+                <a16:creationId xmlns:a16="http://schemas.microsoft.com/office/drawing/2014/main" id="{98C11427-9E5B-72E4-0E0E-D894D85E312D}"/>
+              </a:ext>
+            </a:extLst>
+          </p:cNvPr>
+          <p:cNvSpPr>
+            <a:spLocks noGrp="1"/>
+          </p:cNvSpPr>
+          <p:nvPr>
+            <p:ph type="sldNum" sz="quarter" idx="12"/>
+          </p:nvPr>
+        </p:nvSpPr>
+        <p:spPr/>
+        <p:txBody>
+          <a:bodyPr/>
+          <a:lstStyle/>
+          <a:p>
+            <a:fld id="{4B04BC67-DFA6-4863-89DB-B4077B3FACAF}" type="slidenum">
+              <a:rPr lang="en-US" smtClean="0"/>
+              <a:t>2</a:t>
+            </a:fld>
+            <a:endParaRPr lang="en-US"/>
           </a:p>
         </p:txBody>
       </p:sp>
@@ -4082,6 +4372,35 @@
           </a:p>
         </p:txBody>
       </p:sp>
+      <p:sp>
+        <p:nvSpPr>
+          <p:cNvPr id="2" name="Slide Number Placeholder 1">
+            <a:extLst>
+              <a:ext uri="{FF2B5EF4-FFF2-40B4-BE49-F238E27FC236}">
+                <a16:creationId xmlns:a16="http://schemas.microsoft.com/office/drawing/2014/main" id="{0680354F-D024-6806-85BE-73817F70BC94}"/>
+              </a:ext>
+            </a:extLst>
+          </p:cNvPr>
+          <p:cNvSpPr>
+            <a:spLocks noGrp="1"/>
+          </p:cNvSpPr>
+          <p:nvPr>
+            <p:ph type="sldNum" sz="quarter" idx="12"/>
+          </p:nvPr>
+        </p:nvSpPr>
+        <p:spPr/>
+        <p:txBody>
+          <a:bodyPr/>
+          <a:lstStyle/>
+          <a:p>
+            <a:fld id="{4B04BC67-DFA6-4863-89DB-B4077B3FACAF}" type="slidenum">
+              <a:rPr lang="en-US" smtClean="0"/>
+              <a:t>3</a:t>
+            </a:fld>
+            <a:endParaRPr lang="en-US"/>
+          </a:p>
+        </p:txBody>
+      </p:sp>
     </p:spTree>
     <p:extLst>
       <p:ext uri="{BB962C8B-B14F-4D97-AF65-F5344CB8AC3E}">
@@ -4172,6 +4491,35 @@
           </a:prstGeom>
         </p:spPr>
       </p:pic>
+      <p:sp>
+        <p:nvSpPr>
+          <p:cNvPr id="2" name="Slide Number Placeholder 1">
+            <a:extLst>
+              <a:ext uri="{FF2B5EF4-FFF2-40B4-BE49-F238E27FC236}">
+                <a16:creationId xmlns:a16="http://schemas.microsoft.com/office/drawing/2014/main" id="{2902DA66-BC86-6E18-0206-3CF325A6A778}"/>
+              </a:ext>
+            </a:extLst>
+          </p:cNvPr>
+          <p:cNvSpPr>
+            <a:spLocks noGrp="1"/>
+          </p:cNvSpPr>
+          <p:nvPr>
+            <p:ph type="sldNum" sz="quarter" idx="12"/>
+          </p:nvPr>
+        </p:nvSpPr>
+        <p:spPr/>
+        <p:txBody>
+          <a:bodyPr/>
+          <a:lstStyle/>
+          <a:p>
+            <a:fld id="{4B04BC67-DFA6-4863-89DB-B4077B3FACAF}" type="slidenum">
+              <a:rPr lang="en-US" smtClean="0"/>
+              <a:t>4</a:t>
+            </a:fld>
+            <a:endParaRPr lang="en-US"/>
+          </a:p>
+        </p:txBody>
+      </p:sp>
     </p:spTree>
     <p:extLst>
       <p:ext uri="{BB962C8B-B14F-4D97-AF65-F5344CB8AC3E}">
@@ -4232,6 +4580,35 @@
           </a:prstGeom>
         </p:spPr>
       </p:pic>
+      <p:sp>
+        <p:nvSpPr>
+          <p:cNvPr id="2" name="Slide Number Placeholder 1">
+            <a:extLst>
+              <a:ext uri="{FF2B5EF4-FFF2-40B4-BE49-F238E27FC236}">
+                <a16:creationId xmlns:a16="http://schemas.microsoft.com/office/drawing/2014/main" id="{FDAD6CE4-1B2A-29A6-7A7F-81BFD939600B}"/>
+              </a:ext>
+            </a:extLst>
+          </p:cNvPr>
+          <p:cNvSpPr>
+            <a:spLocks noGrp="1"/>
+          </p:cNvSpPr>
+          <p:nvPr>
+            <p:ph type="sldNum" sz="quarter" idx="12"/>
+          </p:nvPr>
+        </p:nvSpPr>
+        <p:spPr/>
+        <p:txBody>
+          <a:bodyPr/>
+          <a:lstStyle/>
+          <a:p>
+            <a:fld id="{4B04BC67-DFA6-4863-89DB-B4077B3FACAF}" type="slidenum">
+              <a:rPr lang="en-US" smtClean="0"/>
+              <a:t>5</a:t>
+            </a:fld>
+            <a:endParaRPr lang="en-US"/>
+          </a:p>
+        </p:txBody>
+      </p:sp>
     </p:spTree>
     <p:extLst>
       <p:ext uri="{BB962C8B-B14F-4D97-AF65-F5344CB8AC3E}">
@@ -4292,6 +4669,35 @@
           </a:prstGeom>
         </p:spPr>
       </p:pic>
+      <p:sp>
+        <p:nvSpPr>
+          <p:cNvPr id="2" name="Slide Number Placeholder 1">
+            <a:extLst>
+              <a:ext uri="{FF2B5EF4-FFF2-40B4-BE49-F238E27FC236}">
+                <a16:creationId xmlns:a16="http://schemas.microsoft.com/office/drawing/2014/main" id="{7BA53C25-FA10-48D8-A39B-58AC317AB8F7}"/>
+              </a:ext>
+            </a:extLst>
+          </p:cNvPr>
+          <p:cNvSpPr>
+            <a:spLocks noGrp="1"/>
+          </p:cNvSpPr>
+          <p:nvPr>
+            <p:ph type="sldNum" sz="quarter" idx="12"/>
+          </p:nvPr>
+        </p:nvSpPr>
+        <p:spPr/>
+        <p:txBody>
+          <a:bodyPr/>
+          <a:lstStyle/>
+          <a:p>
+            <a:fld id="{4B04BC67-DFA6-4863-89DB-B4077B3FACAF}" type="slidenum">
+              <a:rPr lang="en-US" smtClean="0"/>
+              <a:t>6</a:t>
+            </a:fld>
+            <a:endParaRPr lang="en-US"/>
+          </a:p>
+        </p:txBody>
+      </p:sp>
     </p:spTree>
     <p:extLst>
       <p:ext uri="{BB962C8B-B14F-4D97-AF65-F5344CB8AC3E}">
@@ -4382,6 +4788,35 @@
           </a:prstGeom>
         </p:spPr>
       </p:pic>
+      <p:sp>
+        <p:nvSpPr>
+          <p:cNvPr id="2" name="Slide Number Placeholder 1">
+            <a:extLst>
+              <a:ext uri="{FF2B5EF4-FFF2-40B4-BE49-F238E27FC236}">
+                <a16:creationId xmlns:a16="http://schemas.microsoft.com/office/drawing/2014/main" id="{C979D20E-C817-ABE9-10A3-97D0C928FE3B}"/>
+              </a:ext>
+            </a:extLst>
+          </p:cNvPr>
+          <p:cNvSpPr>
+            <a:spLocks noGrp="1"/>
+          </p:cNvSpPr>
+          <p:nvPr>
+            <p:ph type="sldNum" sz="quarter" idx="12"/>
+          </p:nvPr>
+        </p:nvSpPr>
+        <p:spPr/>
+        <p:txBody>
+          <a:bodyPr/>
+          <a:lstStyle/>
+          <a:p>
+            <a:fld id="{4B04BC67-DFA6-4863-89DB-B4077B3FACAF}" type="slidenum">
+              <a:rPr lang="en-US" smtClean="0"/>
+              <a:t>7</a:t>
+            </a:fld>
+            <a:endParaRPr lang="en-US"/>
+          </a:p>
+        </p:txBody>
+      </p:sp>
     </p:spTree>
     <p:extLst>
       <p:ext uri="{BB962C8B-B14F-4D97-AF65-F5344CB8AC3E}">
@@ -4442,6 +4877,35 @@
           </a:prstGeom>
         </p:spPr>
       </p:pic>
+      <p:sp>
+        <p:nvSpPr>
+          <p:cNvPr id="2" name="Slide Number Placeholder 1">
+            <a:extLst>
+              <a:ext uri="{FF2B5EF4-FFF2-40B4-BE49-F238E27FC236}">
+                <a16:creationId xmlns:a16="http://schemas.microsoft.com/office/drawing/2014/main" id="{AEE5C46E-D37E-AEC7-244E-52517958E9D2}"/>
+              </a:ext>
+            </a:extLst>
+          </p:cNvPr>
+          <p:cNvSpPr>
+            <a:spLocks noGrp="1"/>
+          </p:cNvSpPr>
+          <p:nvPr>
+            <p:ph type="sldNum" sz="quarter" idx="12"/>
+          </p:nvPr>
+        </p:nvSpPr>
+        <p:spPr/>
+        <p:txBody>
+          <a:bodyPr/>
+          <a:lstStyle/>
+          <a:p>
+            <a:fld id="{4B04BC67-DFA6-4863-89DB-B4077B3FACAF}" type="slidenum">
+              <a:rPr lang="en-US" smtClean="0"/>
+              <a:t>8</a:t>
+            </a:fld>
+            <a:endParaRPr lang="en-US"/>
+          </a:p>
+        </p:txBody>
+      </p:sp>
     </p:spTree>
     <p:extLst>
       <p:ext uri="{BB962C8B-B14F-4D97-AF65-F5344CB8AC3E}">
@@ -4502,6 +4966,35 @@
           </a:prstGeom>
         </p:spPr>
       </p:pic>
+      <p:sp>
+        <p:nvSpPr>
+          <p:cNvPr id="2" name="Slide Number Placeholder 1">
+            <a:extLst>
+              <a:ext uri="{FF2B5EF4-FFF2-40B4-BE49-F238E27FC236}">
+                <a16:creationId xmlns:a16="http://schemas.microsoft.com/office/drawing/2014/main" id="{5CDDE5AD-5899-F1DB-03C7-254F0034D215}"/>
+              </a:ext>
+            </a:extLst>
+          </p:cNvPr>
+          <p:cNvSpPr>
+            <a:spLocks noGrp="1"/>
+          </p:cNvSpPr>
+          <p:nvPr>
+            <p:ph type="sldNum" sz="quarter" idx="12"/>
+          </p:nvPr>
+        </p:nvSpPr>
+        <p:spPr/>
+        <p:txBody>
+          <a:bodyPr/>
+          <a:lstStyle/>
+          <a:p>
+            <a:fld id="{4B04BC67-DFA6-4863-89DB-B4077B3FACAF}" type="slidenum">
+              <a:rPr lang="en-US" smtClean="0"/>
+              <a:t>9</a:t>
+            </a:fld>
+            <a:endParaRPr lang="en-US"/>
+          </a:p>
+        </p:txBody>
+      </p:sp>
     </p:spTree>
     <p:extLst>
       <p:ext uri="{BB962C8B-B14F-4D97-AF65-F5344CB8AC3E}">
